--- a/cozyhouzz_ver2.1_영현_170707.pptx
+++ b/cozyhouzz_ver2.1_영현_170707.pptx
@@ -27141,7 +27141,7 @@
         <p:spPr>
           <a:xfrm>
             <a:off x="7096586" y="231026"/>
-            <a:ext cx="4635340" cy="369332"/>
+            <a:ext cx="4635340" cy="523220"/>
           </a:xfrm>
           <a:prstGeom prst="rect">
             <a:avLst/>
@@ -27154,19 +27154,26 @@
           </a:bodyPr>
           <a:lstStyle/>
           <a:p>
-            <a:r>
-              <a:rPr lang="ko-KR" altLang="en-US" dirty="0"/>
-              <a:t>참고 파일 </a:t>
-            </a:r>
-            <a:r>
-              <a:rPr lang="en-US" altLang="ko-KR" dirty="0"/>
-              <a:t>: </a:t>
-            </a:r>
-            <a:r>
-              <a:rPr lang="ko-KR" altLang="en-US" dirty="0" smtClean="0"/>
+            <a:pPr marL="285750" indent="-285750">
+              <a:buFontTx/>
+              <a:buChar char="-"/>
+            </a:pPr>
+            <a:r>
+              <a:rPr lang="ko-KR" altLang="en-US" sz="1400" dirty="0" smtClean="0"/>
+              <a:t>참고 파일</a:t>
+            </a:r>
+            <a:endParaRPr lang="en-US" altLang="ko-KR" sz="1400" dirty="0" smtClean="0"/>
+          </a:p>
+          <a:p>
+            <a:r>
+              <a:rPr lang="ko-KR" altLang="en-US" sz="1400" dirty="0" smtClean="0"/>
               <a:t>portfolio-3-left-sidebar.html</a:t>
             </a:r>
-            <a:endParaRPr lang="ko-KR" altLang="en-US" dirty="0"/>
+            <a:r>
+              <a:rPr lang="en-US" altLang="ko-KR" sz="1400" dirty="0"/>
+              <a:t>, left-sidebar.html</a:t>
+            </a:r>
+            <a:endParaRPr lang="ko-KR" altLang="en-US" sz="1400" dirty="0"/>
           </a:p>
         </p:txBody>
       </p:sp>
@@ -34584,14 +34591,14 @@
                 <a:gridCol w="2199717">
                   <a:extLst>
                     <a:ext uri="{9D8B030D-6E8A-4147-A177-3AD203B41FA5}">
-                      <a16:colId xmlns="" xmlns:a16="http://schemas.microsoft.com/office/drawing/2014/main" val="20000"/>
+                      <a16:colId xmlns:a16="http://schemas.microsoft.com/office/drawing/2014/main" xmlns="" val="20000"/>
                     </a:ext>
                   </a:extLst>
                 </a:gridCol>
                 <a:gridCol w="8719085">
                   <a:extLst>
                     <a:ext uri="{9D8B030D-6E8A-4147-A177-3AD203B41FA5}">
-                      <a16:colId xmlns="" xmlns:a16="http://schemas.microsoft.com/office/drawing/2014/main" val="20001"/>
+                      <a16:colId xmlns:a16="http://schemas.microsoft.com/office/drawing/2014/main" xmlns="" val="20001"/>
                     </a:ext>
                   </a:extLst>
                 </a:gridCol>
@@ -34639,7 +34646,7 @@
                 </a:tc>
                 <a:extLst>
                   <a:ext uri="{0D108BD9-81ED-4DB2-BD59-A6C34878D82A}">
-                    <a16:rowId xmlns="" xmlns:a16="http://schemas.microsoft.com/office/drawing/2014/main" val="10000"/>
+                    <a16:rowId xmlns:a16="http://schemas.microsoft.com/office/drawing/2014/main" xmlns="" val="10000"/>
                   </a:ext>
                 </a:extLst>
               </a:tr>
@@ -34860,7 +34867,7 @@
                 </a:tc>
                 <a:extLst>
                   <a:ext uri="{0D108BD9-81ED-4DB2-BD59-A6C34878D82A}">
-                    <a16:rowId xmlns="" xmlns:a16="http://schemas.microsoft.com/office/drawing/2014/main" val="10001"/>
+                    <a16:rowId xmlns:a16="http://schemas.microsoft.com/office/drawing/2014/main" xmlns="" val="10001"/>
                   </a:ext>
                 </a:extLst>
               </a:tr>
@@ -34940,7 +34947,7 @@
                 </a:tc>
                 <a:extLst>
                   <a:ext uri="{0D108BD9-81ED-4DB2-BD59-A6C34878D82A}">
-                    <a16:rowId xmlns="" xmlns:a16="http://schemas.microsoft.com/office/drawing/2014/main" val="10002"/>
+                    <a16:rowId xmlns:a16="http://schemas.microsoft.com/office/drawing/2014/main" xmlns="" val="10002"/>
                   </a:ext>
                 </a:extLst>
               </a:tr>
@@ -35085,7 +35092,7 @@
                 </a:tc>
                 <a:extLst>
                   <a:ext uri="{0D108BD9-81ED-4DB2-BD59-A6C34878D82A}">
-                    <a16:rowId xmlns="" xmlns:a16="http://schemas.microsoft.com/office/drawing/2014/main" val="10003"/>
+                    <a16:rowId xmlns:a16="http://schemas.microsoft.com/office/drawing/2014/main" xmlns="" val="10003"/>
                   </a:ext>
                 </a:extLst>
               </a:tr>
@@ -35260,7 +35267,7 @@
                 </a:tc>
                 <a:extLst>
                   <a:ext uri="{0D108BD9-81ED-4DB2-BD59-A6C34878D82A}">
-                    <a16:rowId xmlns="" xmlns:a16="http://schemas.microsoft.com/office/drawing/2014/main" val="10004"/>
+                    <a16:rowId xmlns:a16="http://schemas.microsoft.com/office/drawing/2014/main" xmlns="" val="10004"/>
                   </a:ext>
                 </a:extLst>
               </a:tr>
@@ -35420,7 +35427,7 @@
                 </a:tc>
                 <a:extLst>
                   <a:ext uri="{0D108BD9-81ED-4DB2-BD59-A6C34878D82A}">
-                    <a16:rowId xmlns="" xmlns:a16="http://schemas.microsoft.com/office/drawing/2014/main" val="10005"/>
+                    <a16:rowId xmlns:a16="http://schemas.microsoft.com/office/drawing/2014/main" xmlns="" val="10005"/>
                   </a:ext>
                 </a:extLst>
               </a:tr>
@@ -35561,7 +35568,7 @@
                 </a:tc>
                 <a:extLst>
                   <a:ext uri="{0D108BD9-81ED-4DB2-BD59-A6C34878D82A}">
-                    <a16:rowId xmlns="" xmlns:a16="http://schemas.microsoft.com/office/drawing/2014/main" val="10006"/>
+                    <a16:rowId xmlns:a16="http://schemas.microsoft.com/office/drawing/2014/main" xmlns="" val="10006"/>
                   </a:ext>
                 </a:extLst>
               </a:tr>
@@ -35653,7 +35660,7 @@
                 </a:tc>
                 <a:extLst>
                   <a:ext uri="{0D108BD9-81ED-4DB2-BD59-A6C34878D82A}">
-                    <a16:rowId xmlns="" xmlns:a16="http://schemas.microsoft.com/office/drawing/2014/main" val="10007"/>
+                    <a16:rowId xmlns:a16="http://schemas.microsoft.com/office/drawing/2014/main" xmlns="" val="10007"/>
                   </a:ext>
                 </a:extLst>
               </a:tr>
@@ -35742,7 +35749,7 @@
                 </a:tc>
                 <a:extLst>
                   <a:ext uri="{0D108BD9-81ED-4DB2-BD59-A6C34878D82A}">
-                    <a16:rowId xmlns="" xmlns:a16="http://schemas.microsoft.com/office/drawing/2014/main" val="10008"/>
+                    <a16:rowId xmlns:a16="http://schemas.microsoft.com/office/drawing/2014/main" xmlns="" val="10008"/>
                   </a:ext>
                 </a:extLst>
               </a:tr>
@@ -37388,6 +37395,39 @@
           </a:p>
         </p:txBody>
       </p:sp>
+      <p:cxnSp>
+        <p:nvCxnSpPr>
+          <p:cNvPr id="10" name="직선 화살표 연결선 9"/>
+          <p:cNvCxnSpPr/>
+          <p:nvPr/>
+        </p:nvCxnSpPr>
+        <p:spPr>
+          <a:xfrm flipH="1" flipV="1">
+            <a:off x="2254102" y="2456121"/>
+            <a:ext cx="63797" cy="588830"/>
+          </a:xfrm>
+          <a:prstGeom prst="straightConnector1">
+            <a:avLst/>
+          </a:prstGeom>
+          <a:ln>
+            <a:tailEnd type="triangle"/>
+          </a:ln>
+        </p:spPr>
+        <p:style>
+          <a:lnRef idx="3">
+            <a:schemeClr val="accent2"/>
+          </a:lnRef>
+          <a:fillRef idx="0">
+            <a:schemeClr val="accent2"/>
+          </a:fillRef>
+          <a:effectRef idx="2">
+            <a:schemeClr val="accent2"/>
+          </a:effectRef>
+          <a:fontRef idx="minor">
+            <a:schemeClr val="tx1"/>
+          </a:fontRef>
+        </p:style>
+      </p:cxnSp>
     </p:spTree>
     <p:extLst>
       <p:ext uri="{BB962C8B-B14F-4D97-AF65-F5344CB8AC3E}">
